--- a/docs/diagrams/SearchCommandUML.pptx
+++ b/docs/diagrams/SearchCommandUML.pptx
@@ -5,10 +5,10 @@
     <p:sldMasterId id="2147483648" r:id="rId1"/>
   </p:sldMasterIdLst>
   <p:sldIdLst>
-    <p:sldId id="256" r:id="rId2"/>
+    <p:sldId id="256" r:id="rId3"/>
   </p:sldIdLst>
   <p:sldSz cx="12192000" cy="6858000"/>
-  <p:notesSz cx="7104063" cy="10234613"/>
+  <p:notesSz cx="7103745" cy="10234295"/>
   <p:defaultTextStyle>
     <a:defPPr>
       <a:defRPr lang="en-US"/>
@@ -104,14 +104,6 @@
       </a:defRPr>
     </a:lvl9pPr>
   </p:defaultTextStyle>
-  <p:extLst>
-    <p:ext uri="{EFAFB233-063F-42B5-8137-9DF3F51BA10A}">
-      <p15:sldGuideLst xmlns:p15="http://schemas.microsoft.com/office/powerpoint/2012/main"/>
-    </p:ext>
-    <p:ext uri="{2D200454-40CA-4A62-9FC3-DE9A4176ACB9}">
-      <p15:notesGuideLst xmlns:p15="http://schemas.microsoft.com/office/powerpoint/2012/main"/>
-    </p:ext>
-  </p:extLst>
 </p:presentation>
 </file>
 
@@ -160,6 +152,7 @@
               <a:rPr lang="en-US"/>
               <a:t>Click to edit Master title style</a:t>
             </a:r>
+            <a:endParaRPr lang="en-US"/>
           </a:p>
         </p:txBody>
       </p:sp>
@@ -224,6 +217,7 @@
               <a:rPr lang="en-US"/>
               <a:t>Click to edit Master subtitle style</a:t>
             </a:r>
+            <a:endParaRPr lang="en-US"/>
           </a:p>
         </p:txBody>
       </p:sp>
@@ -244,7 +238,6 @@
           <a:p>
             <a:fld id="{FDE934FF-F4E1-47C5-9CA5-30A81DDE2BE4}" type="datetimeFigureOut">
               <a:rPr lang="en-US" smtClean="0"/>
-              <a:t>11/12/2018</a:t>
             </a:fld>
             <a:endParaRPr lang="en-US"/>
           </a:p>
@@ -286,7 +279,6 @@
           <a:p>
             <a:fld id="{B3561BA9-CDCF-4958-B8AB-66F3BF063E13}" type="slidenum">
               <a:rPr lang="en-US" smtClean="0"/>
-              <a:t>‹#›</a:t>
             </a:fld>
             <a:endParaRPr lang="en-US"/>
           </a:p>
@@ -342,6 +334,7 @@
               <a:rPr lang="en-US"/>
               <a:t>Click to edit Master text styles</a:t>
             </a:r>
+            <a:endParaRPr lang="en-US"/>
           </a:p>
           <a:p>
             <a:pPr lvl="1"/>
@@ -349,6 +342,7 @@
               <a:rPr lang="en-US"/>
               <a:t>Second level</a:t>
             </a:r>
+            <a:endParaRPr lang="en-US"/>
           </a:p>
           <a:p>
             <a:pPr lvl="2"/>
@@ -356,6 +350,7 @@
               <a:rPr lang="en-US"/>
               <a:t>Third level</a:t>
             </a:r>
+            <a:endParaRPr lang="en-US"/>
           </a:p>
           <a:p>
             <a:pPr lvl="3"/>
@@ -363,6 +358,7 @@
               <a:rPr lang="en-US"/>
               <a:t>Fourth level</a:t>
             </a:r>
+            <a:endParaRPr lang="en-US"/>
           </a:p>
           <a:p>
             <a:pPr lvl="4"/>
@@ -370,6 +366,7 @@
               <a:rPr lang="en-US"/>
               <a:t>Fifth level</a:t>
             </a:r>
+            <a:endParaRPr lang="en-US"/>
           </a:p>
         </p:txBody>
       </p:sp>
@@ -390,7 +387,6 @@
           <a:p>
             <a:fld id="{FDE934FF-F4E1-47C5-9CA5-30A81DDE2BE4}" type="datetimeFigureOut">
               <a:rPr lang="en-US" smtClean="0"/>
-              <a:t>11/12/2018</a:t>
             </a:fld>
             <a:endParaRPr lang="en-US"/>
           </a:p>
@@ -432,7 +428,6 @@
           <a:p>
             <a:fld id="{B3561BA9-CDCF-4958-B8AB-66F3BF063E13}" type="slidenum">
               <a:rPr lang="en-US" smtClean="0"/>
-              <a:t>‹#›</a:t>
             </a:fld>
             <a:endParaRPr lang="en-US"/>
           </a:p>
@@ -482,6 +477,7 @@
               <a:rPr lang="en-US"/>
               <a:t>Click to edit Master title style</a:t>
             </a:r>
+            <a:endParaRPr lang="en-US"/>
           </a:p>
         </p:txBody>
       </p:sp>
@@ -505,6 +501,7 @@
               <a:rPr lang="en-US"/>
               <a:t>Click to edit Master text styles</a:t>
             </a:r>
+            <a:endParaRPr lang="en-US"/>
           </a:p>
           <a:p>
             <a:pPr lvl="1"/>
@@ -512,6 +509,7 @@
               <a:rPr lang="en-US"/>
               <a:t>Second level</a:t>
             </a:r>
+            <a:endParaRPr lang="en-US"/>
           </a:p>
           <a:p>
             <a:pPr lvl="2"/>
@@ -519,6 +517,7 @@
               <a:rPr lang="en-US"/>
               <a:t>Third level</a:t>
             </a:r>
+            <a:endParaRPr lang="en-US"/>
           </a:p>
           <a:p>
             <a:pPr lvl="3"/>
@@ -526,6 +525,7 @@
               <a:rPr lang="en-US"/>
               <a:t>Fourth level</a:t>
             </a:r>
+            <a:endParaRPr lang="en-US"/>
           </a:p>
           <a:p>
             <a:pPr lvl="4"/>
@@ -533,6 +533,7 @@
               <a:rPr lang="en-US"/>
               <a:t>Fifth level</a:t>
             </a:r>
+            <a:endParaRPr lang="en-US"/>
           </a:p>
         </p:txBody>
       </p:sp>
@@ -553,7 +554,6 @@
           <a:p>
             <a:fld id="{FDE934FF-F4E1-47C5-9CA5-30A81DDE2BE4}" type="datetimeFigureOut">
               <a:rPr lang="en-US" smtClean="0"/>
-              <a:t>11/12/2018</a:t>
             </a:fld>
             <a:endParaRPr lang="en-US"/>
           </a:p>
@@ -595,7 +595,6 @@
           <a:p>
             <a:fld id="{B3561BA9-CDCF-4958-B8AB-66F3BF063E13}" type="slidenum">
               <a:rPr lang="en-US" smtClean="0"/>
-              <a:t>‹#›</a:t>
             </a:fld>
             <a:endParaRPr lang="en-US"/>
           </a:p>
@@ -654,6 +653,7 @@
               <a:rPr lang="en-US"/>
               <a:t>Click to edit Master title style</a:t>
             </a:r>
+            <a:endParaRPr lang="en-US"/>
           </a:p>
         </p:txBody>
       </p:sp>
@@ -773,6 +773,7 @@
               <a:rPr lang="en-US"/>
               <a:t>Click to edit Master text styles</a:t>
             </a:r>
+            <a:endParaRPr lang="en-US"/>
           </a:p>
         </p:txBody>
       </p:sp>
@@ -793,7 +794,6 @@
           <a:p>
             <a:fld id="{FDE934FF-F4E1-47C5-9CA5-30A81DDE2BE4}" type="datetimeFigureOut">
               <a:rPr lang="en-US" smtClean="0"/>
-              <a:t>11/12/2018</a:t>
             </a:fld>
             <a:endParaRPr lang="en-US"/>
           </a:p>
@@ -835,7 +835,6 @@
           <a:p>
             <a:fld id="{B3561BA9-CDCF-4958-B8AB-66F3BF063E13}" type="slidenum">
               <a:rPr lang="en-US" smtClean="0"/>
-              <a:t>‹#›</a:t>
             </a:fld>
             <a:endParaRPr lang="en-US"/>
           </a:p>
@@ -885,6 +884,7 @@
               <a:rPr lang="en-US"/>
               <a:t>Click to edit Master title style</a:t>
             </a:r>
+            <a:endParaRPr lang="en-US"/>
           </a:p>
         </p:txBody>
       </p:sp>
@@ -913,6 +913,7 @@
               <a:rPr lang="en-US"/>
               <a:t>Click to edit Master text styles</a:t>
             </a:r>
+            <a:endParaRPr lang="en-US"/>
           </a:p>
           <a:p>
             <a:pPr lvl="1"/>
@@ -920,6 +921,7 @@
               <a:rPr lang="en-US"/>
               <a:t>Second level</a:t>
             </a:r>
+            <a:endParaRPr lang="en-US"/>
           </a:p>
           <a:p>
             <a:pPr lvl="2"/>
@@ -927,6 +929,7 @@
               <a:rPr lang="en-US"/>
               <a:t>Third level</a:t>
             </a:r>
+            <a:endParaRPr lang="en-US"/>
           </a:p>
           <a:p>
             <a:pPr lvl="3"/>
@@ -934,6 +937,7 @@
               <a:rPr lang="en-US"/>
               <a:t>Fourth level</a:t>
             </a:r>
+            <a:endParaRPr lang="en-US"/>
           </a:p>
           <a:p>
             <a:pPr lvl="4"/>
@@ -941,6 +945,7 @@
               <a:rPr lang="en-US"/>
               <a:t>Fifth level</a:t>
             </a:r>
+            <a:endParaRPr lang="en-US"/>
           </a:p>
         </p:txBody>
       </p:sp>
@@ -969,6 +974,7 @@
               <a:rPr lang="en-US"/>
               <a:t>Click to edit Master text styles</a:t>
             </a:r>
+            <a:endParaRPr lang="en-US"/>
           </a:p>
           <a:p>
             <a:pPr lvl="1"/>
@@ -976,6 +982,7 @@
               <a:rPr lang="en-US"/>
               <a:t>Second level</a:t>
             </a:r>
+            <a:endParaRPr lang="en-US"/>
           </a:p>
           <a:p>
             <a:pPr lvl="2"/>
@@ -983,6 +990,7 @@
               <a:rPr lang="en-US"/>
               <a:t>Third level</a:t>
             </a:r>
+            <a:endParaRPr lang="en-US"/>
           </a:p>
           <a:p>
             <a:pPr lvl="3"/>
@@ -990,6 +998,7 @@
               <a:rPr lang="en-US"/>
               <a:t>Fourth level</a:t>
             </a:r>
+            <a:endParaRPr lang="en-US"/>
           </a:p>
           <a:p>
             <a:pPr lvl="4"/>
@@ -997,6 +1006,7 @@
               <a:rPr lang="en-US"/>
               <a:t>Fifth level</a:t>
             </a:r>
+            <a:endParaRPr lang="en-US"/>
           </a:p>
         </p:txBody>
       </p:sp>
@@ -1017,7 +1027,6 @@
           <a:p>
             <a:fld id="{FDE934FF-F4E1-47C5-9CA5-30A81DDE2BE4}" type="datetimeFigureOut">
               <a:rPr lang="en-US" smtClean="0"/>
-              <a:t>11/12/2018</a:t>
             </a:fld>
             <a:endParaRPr lang="en-US"/>
           </a:p>
@@ -1059,7 +1068,6 @@
           <a:p>
             <a:fld id="{B3561BA9-CDCF-4958-B8AB-66F3BF063E13}" type="slidenum">
               <a:rPr lang="en-US" smtClean="0"/>
-              <a:t>‹#›</a:t>
             </a:fld>
             <a:endParaRPr lang="en-US"/>
           </a:p>
@@ -1114,6 +1122,7 @@
               <a:rPr lang="en-US"/>
               <a:t>Click to edit Master title style</a:t>
             </a:r>
+            <a:endParaRPr lang="en-US"/>
           </a:p>
         </p:txBody>
       </p:sp>
@@ -1179,6 +1188,7 @@
               <a:rPr lang="en-US"/>
               <a:t>Click to edit Master text styles</a:t>
             </a:r>
+            <a:endParaRPr lang="en-US"/>
           </a:p>
         </p:txBody>
       </p:sp>
@@ -1207,6 +1217,7 @@
               <a:rPr lang="en-US"/>
               <a:t>Click to edit Master text styles</a:t>
             </a:r>
+            <a:endParaRPr lang="en-US"/>
           </a:p>
           <a:p>
             <a:pPr lvl="1"/>
@@ -1214,6 +1225,7 @@
               <a:rPr lang="en-US"/>
               <a:t>Second level</a:t>
             </a:r>
+            <a:endParaRPr lang="en-US"/>
           </a:p>
           <a:p>
             <a:pPr lvl="2"/>
@@ -1221,6 +1233,7 @@
               <a:rPr lang="en-US"/>
               <a:t>Third level</a:t>
             </a:r>
+            <a:endParaRPr lang="en-US"/>
           </a:p>
           <a:p>
             <a:pPr lvl="3"/>
@@ -1228,6 +1241,7 @@
               <a:rPr lang="en-US"/>
               <a:t>Fourth level</a:t>
             </a:r>
+            <a:endParaRPr lang="en-US"/>
           </a:p>
           <a:p>
             <a:pPr lvl="4"/>
@@ -1235,6 +1249,7 @@
               <a:rPr lang="en-US"/>
               <a:t>Fifth level</a:t>
             </a:r>
+            <a:endParaRPr lang="en-US"/>
           </a:p>
         </p:txBody>
       </p:sp>
@@ -1300,6 +1315,7 @@
               <a:rPr lang="en-US"/>
               <a:t>Click to edit Master text styles</a:t>
             </a:r>
+            <a:endParaRPr lang="en-US"/>
           </a:p>
         </p:txBody>
       </p:sp>
@@ -1328,6 +1344,7 @@
               <a:rPr lang="en-US"/>
               <a:t>Click to edit Master text styles</a:t>
             </a:r>
+            <a:endParaRPr lang="en-US"/>
           </a:p>
           <a:p>
             <a:pPr lvl="1"/>
@@ -1335,6 +1352,7 @@
               <a:rPr lang="en-US"/>
               <a:t>Second level</a:t>
             </a:r>
+            <a:endParaRPr lang="en-US"/>
           </a:p>
           <a:p>
             <a:pPr lvl="2"/>
@@ -1342,6 +1360,7 @@
               <a:rPr lang="en-US"/>
               <a:t>Third level</a:t>
             </a:r>
+            <a:endParaRPr lang="en-US"/>
           </a:p>
           <a:p>
             <a:pPr lvl="3"/>
@@ -1349,6 +1368,7 @@
               <a:rPr lang="en-US"/>
               <a:t>Fourth level</a:t>
             </a:r>
+            <a:endParaRPr lang="en-US"/>
           </a:p>
           <a:p>
             <a:pPr lvl="4"/>
@@ -1356,6 +1376,7 @@
               <a:rPr lang="en-US"/>
               <a:t>Fifth level</a:t>
             </a:r>
+            <a:endParaRPr lang="en-US"/>
           </a:p>
         </p:txBody>
       </p:sp>
@@ -1376,7 +1397,6 @@
           <a:p>
             <a:fld id="{FDE934FF-F4E1-47C5-9CA5-30A81DDE2BE4}" type="datetimeFigureOut">
               <a:rPr lang="en-US" smtClean="0"/>
-              <a:t>11/12/2018</a:t>
             </a:fld>
             <a:endParaRPr lang="en-US"/>
           </a:p>
@@ -1418,7 +1438,6 @@
           <a:p>
             <a:fld id="{B3561BA9-CDCF-4958-B8AB-66F3BF063E13}" type="slidenum">
               <a:rPr lang="en-US" smtClean="0"/>
-              <a:t>‹#›</a:t>
             </a:fld>
             <a:endParaRPr lang="en-US"/>
           </a:p>
@@ -1468,6 +1487,7 @@
               <a:rPr lang="en-US"/>
               <a:t>Click to edit Master title style</a:t>
             </a:r>
+            <a:endParaRPr lang="en-US"/>
           </a:p>
         </p:txBody>
       </p:sp>
@@ -1488,7 +1508,6 @@
           <a:p>
             <a:fld id="{FDE934FF-F4E1-47C5-9CA5-30A81DDE2BE4}" type="datetimeFigureOut">
               <a:rPr lang="en-US" smtClean="0"/>
-              <a:t>11/12/2018</a:t>
             </a:fld>
             <a:endParaRPr lang="en-US"/>
           </a:p>
@@ -1530,7 +1549,6 @@
           <a:p>
             <a:fld id="{B3561BA9-CDCF-4958-B8AB-66F3BF063E13}" type="slidenum">
               <a:rPr lang="en-US" smtClean="0"/>
-              <a:t>‹#›</a:t>
             </a:fld>
             <a:endParaRPr lang="en-US"/>
           </a:p>
@@ -1578,7 +1596,6 @@
           <a:p>
             <a:fld id="{FDE934FF-F4E1-47C5-9CA5-30A81DDE2BE4}" type="datetimeFigureOut">
               <a:rPr lang="en-US" smtClean="0"/>
-              <a:t>11/12/2018</a:t>
             </a:fld>
             <a:endParaRPr lang="en-US"/>
           </a:p>
@@ -1620,7 +1637,6 @@
           <a:p>
             <a:fld id="{B3561BA9-CDCF-4958-B8AB-66F3BF063E13}" type="slidenum">
               <a:rPr lang="en-US" smtClean="0"/>
-              <a:t>‹#›</a:t>
             </a:fld>
             <a:endParaRPr lang="en-US"/>
           </a:p>
@@ -1679,6 +1695,7 @@
               <a:rPr lang="en-US"/>
               <a:t>Click to edit Master title style</a:t>
             </a:r>
+            <a:endParaRPr lang="en-US"/>
           </a:p>
         </p:txBody>
       </p:sp>
@@ -1805,6 +1822,7 @@
               <a:rPr lang="en-US"/>
               <a:t>Click to edit Master text styles</a:t>
             </a:r>
+            <a:endParaRPr lang="en-US"/>
           </a:p>
         </p:txBody>
       </p:sp>
@@ -1825,7 +1843,6 @@
           <a:p>
             <a:fld id="{FDE934FF-F4E1-47C5-9CA5-30A81DDE2BE4}" type="datetimeFigureOut">
               <a:rPr lang="en-US" smtClean="0"/>
-              <a:t>11/12/2018</a:t>
             </a:fld>
             <a:endParaRPr lang="en-US"/>
           </a:p>
@@ -1867,7 +1884,6 @@
           <a:p>
             <a:fld id="{B3561BA9-CDCF-4958-B8AB-66F3BF063E13}" type="slidenum">
               <a:rPr lang="en-US" smtClean="0"/>
-              <a:t>‹#›</a:t>
             </a:fld>
             <a:endParaRPr lang="en-US"/>
           </a:p>
@@ -1922,6 +1938,7 @@
               <a:rPr lang="en-US"/>
               <a:t>Click to edit Master title style</a:t>
             </a:r>
+            <a:endParaRPr lang="en-US"/>
           </a:p>
         </p:txBody>
       </p:sp>
@@ -1950,6 +1967,7 @@
               <a:rPr lang="en-US"/>
               <a:t>Click to edit Master text styles</a:t>
             </a:r>
+            <a:endParaRPr lang="en-US"/>
           </a:p>
           <a:p>
             <a:pPr lvl="1"/>
@@ -1957,6 +1975,7 @@
               <a:rPr lang="en-US"/>
               <a:t>Second level</a:t>
             </a:r>
+            <a:endParaRPr lang="en-US"/>
           </a:p>
           <a:p>
             <a:pPr lvl="2"/>
@@ -1964,6 +1983,7 @@
               <a:rPr lang="en-US"/>
               <a:t>Third level</a:t>
             </a:r>
+            <a:endParaRPr lang="en-US"/>
           </a:p>
           <a:p>
             <a:pPr lvl="3"/>
@@ -1971,6 +1991,7 @@
               <a:rPr lang="en-US"/>
               <a:t>Fourth level</a:t>
             </a:r>
+            <a:endParaRPr lang="en-US"/>
           </a:p>
           <a:p>
             <a:pPr lvl="4"/>
@@ -1978,6 +1999,7 @@
               <a:rPr lang="en-US"/>
               <a:t>Fifth level</a:t>
             </a:r>
+            <a:endParaRPr lang="en-US"/>
           </a:p>
         </p:txBody>
       </p:sp>
@@ -1998,7 +2020,6 @@
           <a:p>
             <a:fld id="{FDE934FF-F4E1-47C5-9CA5-30A81DDE2BE4}" type="datetimeFigureOut">
               <a:rPr lang="en-US" smtClean="0"/>
-              <a:t>11/12/2018</a:t>
             </a:fld>
             <a:endParaRPr lang="en-US"/>
           </a:p>
@@ -2040,7 +2061,6 @@
           <a:p>
             <a:fld id="{B3561BA9-CDCF-4958-B8AB-66F3BF063E13}" type="slidenum">
               <a:rPr lang="en-US" smtClean="0"/>
-              <a:t>‹#›</a:t>
             </a:fld>
             <a:endParaRPr lang="en-US"/>
           </a:p>
@@ -2105,6 +2125,7 @@
               <a:rPr lang="en-US"/>
               <a:t>Click to edit Master title style</a:t>
             </a:r>
+            <a:endParaRPr lang="en-US"/>
           </a:p>
         </p:txBody>
       </p:sp>
@@ -2138,6 +2159,7 @@
               <a:rPr lang="en-US"/>
               <a:t>Click to edit Master text styles</a:t>
             </a:r>
+            <a:endParaRPr lang="en-US"/>
           </a:p>
           <a:p>
             <a:pPr lvl="1"/>
@@ -2145,6 +2167,7 @@
               <a:rPr lang="en-US"/>
               <a:t>Second level</a:t>
             </a:r>
+            <a:endParaRPr lang="en-US"/>
           </a:p>
           <a:p>
             <a:pPr lvl="2"/>
@@ -2152,6 +2175,7 @@
               <a:rPr lang="en-US"/>
               <a:t>Third level</a:t>
             </a:r>
+            <a:endParaRPr lang="en-US"/>
           </a:p>
           <a:p>
             <a:pPr lvl="3"/>
@@ -2159,6 +2183,7 @@
               <a:rPr lang="en-US"/>
               <a:t>Fourth level</a:t>
             </a:r>
+            <a:endParaRPr lang="en-US"/>
           </a:p>
           <a:p>
             <a:pPr lvl="4"/>
@@ -2166,6 +2191,7 @@
               <a:rPr lang="en-US"/>
               <a:t>Fifth level</a:t>
             </a:r>
+            <a:endParaRPr lang="en-US"/>
           </a:p>
         </p:txBody>
       </p:sp>
@@ -2204,7 +2230,6 @@
           <a:p>
             <a:fld id="{FDE934FF-F4E1-47C5-9CA5-30A81DDE2BE4}" type="datetimeFigureOut">
               <a:rPr lang="en-US" smtClean="0"/>
-              <a:t>11/12/2018</a:t>
             </a:fld>
             <a:endParaRPr lang="en-US"/>
           </a:p>
@@ -2282,7 +2307,6 @@
           <a:p>
             <a:fld id="{B3561BA9-CDCF-4958-B8AB-66F3BF063E13}" type="slidenum">
               <a:rPr lang="en-US" smtClean="0"/>
-              <a:t>‹#›</a:t>
             </a:fld>
             <a:endParaRPr lang="en-US"/>
           </a:p>
@@ -2742,8 +2766,8 @@
         </p:nvSpPr>
         <p:spPr>
           <a:xfrm>
-            <a:off x="4195042" y="1317538"/>
-            <a:ext cx="1589103" cy="346760"/>
+            <a:off x="4194810" y="1189355"/>
+            <a:ext cx="1589405" cy="474980"/>
           </a:xfrm>
           <a:prstGeom prst="rect">
             <a:avLst/>
@@ -2776,6 +2800,22 @@
                   <a:schemeClr val="bg1"/>
                 </a:solidFill>
               </a:rPr>
+              <a:t>{abstract}</a:t>
+            </a:r>
+            <a:endParaRPr lang="en-US" sz="1400" b="1" i="1" dirty="0">
+              <a:solidFill>
+                <a:schemeClr val="bg1"/>
+              </a:solidFill>
+            </a:endParaRPr>
+          </a:p>
+          <a:p>
+            <a:pPr algn="ctr"/>
+            <a:r>
+              <a:rPr lang="en-US" sz="1400" b="1" i="1" dirty="0">
+                <a:solidFill>
+                  <a:schemeClr val="bg1"/>
+                </a:solidFill>
+              </a:rPr>
               <a:t>Command</a:t>
             </a:r>
             <a:endParaRPr lang="en-SG" sz="1200" b="1" i="1" dirty="0">
@@ -2830,6 +2870,11 @@
               </a:rPr>
               <a:t>FilteredList&lt;Module&gt;</a:t>
             </a:r>
+            <a:endParaRPr lang="en-US" sz="1050" b="1" dirty="0">
+              <a:solidFill>
+                <a:schemeClr val="bg1"/>
+              </a:solidFill>
+            </a:endParaRPr>
           </a:p>
         </p:txBody>
       </p:sp>
@@ -2956,6 +3001,11 @@
               </a:rPr>
               <a:t>CodeStartsKeywordsPredicate</a:t>
             </a:r>
+            <a:endParaRPr lang="en-US" sz="1050" b="1" dirty="0">
+              <a:solidFill>
+                <a:schemeClr val="bg1"/>
+              </a:solidFill>
+            </a:endParaRPr>
           </a:p>
         </p:txBody>
       </p:sp>
@@ -3480,8 +3530,6 @@
       </a:bgFillStyleLst>
     </a:fmtScheme>
   </a:themeElements>
-  <a:objectDefaults/>
-  <a:extraClrSchemeLst/>
   <a:extLst>
     <a:ext uri="{05A4C25C-085E-4340-85A3-A5531E510DB2}">
       <thm15:themeFamily xmlns:thm15="http://schemas.microsoft.com/office/thememl/2012/main" name="Office Theme" id="{62F939B6-93AF-4DB8-9C6B-D6C7DFDC589F}" vid="{4A3C46E8-61CC-4603-A589-7422A47A8E4A}"/>
